--- a/Data without a Database v2.pptx
+++ b/Data without a Database v2.pptx
@@ -226,7 +226,7 @@
           <a:p>
             <a:fld id="{9128D298-A9D3-4A02-B5B7-FBAC628E3490}" type="datetimeFigureOut">
               <a:rPr lang="en-US" smtClean="0"/>
-              <a:t>8/26/2020</a:t>
+              <a:t>8/27/2020</a:t>
             </a:fld>
             <a:endParaRPr lang="en-US"/>
           </a:p>
@@ -6144,7 +6144,17 @@
                 <a:effectLst/>
                 <a:latin typeface="OpenSans"/>
               </a:rPr>
-              <a:t>=1a77b6afbebbc061536b0b85f85a3726</a:t>
+              <a:t>=</a:t>
+            </a:r>
+            <a:r>
+              <a:rPr lang="en-US" b="0" i="0">
+                <a:solidFill>
+                  <a:srgbClr val="505050"/>
+                </a:solidFill>
+                <a:effectLst/>
+                <a:latin typeface="OpenSans"/>
+              </a:rPr>
+              <a:t>TokenFromOpenWeatherMap</a:t>
             </a:r>
             <a:endParaRPr lang="en-US" dirty="0"/>
           </a:p>
@@ -7217,6 +7227,15 @@
 </file>
 
 <file path=customXml/item2.xml><?xml version="1.0" encoding="utf-8"?>
+<?mso-contentType ?>
+<FormTemplates xmlns="http://schemas.microsoft.com/sharepoint/v3/contenttype/forms">
+  <Display>DocumentLibraryForm</Display>
+  <Edit>DocumentLibraryForm</Edit>
+  <New>DocumentLibraryForm</New>
+</FormTemplates>
+</file>
+
+<file path=customXml/item3.xml><?xml version="1.0" encoding="utf-8"?>
 <ct:contentTypeSchema xmlns:ct="http://schemas.microsoft.com/office/2006/metadata/contentType" xmlns:ma="http://schemas.microsoft.com/office/2006/metadata/properties/metaAttributes" ct:_="" ma:_="" ma:contentTypeName="Document" ma:contentTypeID="0x01010028C27F6A29DBC5499A29145CCF8A6FEF" ma:contentTypeVersion="15" ma:contentTypeDescription="Create a new document." ma:contentTypeScope="" ma:versionID="6246174e4d2cd2c090d202f34aec6975">
   <xsd:schema xmlns:xsd="http://www.w3.org/2001/XMLSchema" xmlns:xs="http://www.w3.org/2001/XMLSchema" xmlns:p="http://schemas.microsoft.com/office/2006/metadata/properties" xmlns:ns2="bb5988d6-8fef-43bf-8684-73b55c79ce34" xmlns:ns3="3dd97c74-5ef0-47a1-a0c0-112a138906c0" targetNamespace="http://schemas.microsoft.com/office/2006/metadata/properties" ma:root="true" ma:fieldsID="ccc0b60ace2116ecc5954db4535ae426" ns2:_="" ns3:_="">
     <xsd:import namespace="bb5988d6-8fef-43bf-8684-73b55c79ce34"/>
@@ -7453,15 +7472,6 @@
 </ct:contentTypeSchema>
 </file>
 
-<file path=customXml/item3.xml><?xml version="1.0" encoding="utf-8"?>
-<?mso-contentType ?>
-<FormTemplates xmlns="http://schemas.microsoft.com/sharepoint/v3/contenttype/forms">
-  <Display>DocumentLibraryForm</Display>
-  <Edit>DocumentLibraryForm</Edit>
-  <New>DocumentLibraryForm</New>
-</FormTemplates>
-</file>
-
 <file path=customXml/itemProps1.xml><?xml version="1.0" encoding="utf-8"?>
 <ds:datastoreItem xmlns:ds="http://schemas.openxmlformats.org/officeDocument/2006/customXml" ds:itemID="{2924B060-7574-449B-A729-68ECD5F7BE80}">
   <ds:schemaRefs>
@@ -7480,6 +7490,14 @@
 </file>
 
 <file path=customXml/itemProps2.xml><?xml version="1.0" encoding="utf-8"?>
+<ds:datastoreItem xmlns:ds="http://schemas.openxmlformats.org/officeDocument/2006/customXml" ds:itemID="{F927BEEE-6638-43A2-8364-CD2C1702069D}">
+  <ds:schemaRefs>
+    <ds:schemaRef ds:uri="http://schemas.microsoft.com/sharepoint/v3/contenttype/forms"/>
+  </ds:schemaRefs>
+</ds:datastoreItem>
+</file>
+
+<file path=customXml/itemProps3.xml><?xml version="1.0" encoding="utf-8"?>
 <ds:datastoreItem xmlns:ds="http://schemas.openxmlformats.org/officeDocument/2006/customXml" ds:itemID="{25B9E768-80CF-4139-8550-E79E03DA93CB}">
   <ds:schemaRefs>
     <ds:schemaRef ds:uri="http://schemas.microsoft.com/office/2006/metadata/contentType"/>
@@ -7496,12 +7514,4 @@
     <ds:schemaRef ds:uri="http://schemas.microsoft.com/internal/obd"/>
   </ds:schemaRefs>
 </ds:datastoreItem>
-</file>
-
-<file path=customXml/itemProps3.xml><?xml version="1.0" encoding="utf-8"?>
-<ds:datastoreItem xmlns:ds="http://schemas.openxmlformats.org/officeDocument/2006/customXml" ds:itemID="{F927BEEE-6638-43A2-8364-CD2C1702069D}">
-  <ds:schemaRefs>
-    <ds:schemaRef ds:uri="http://schemas.microsoft.com/sharepoint/v3/contenttype/forms"/>
-  </ds:schemaRefs>
-</ds:datastoreItem>
 </file>